--- a/PPTs/Lecture 13-Exercises.pptx
+++ b/PPTs/Lecture 13-Exercises.pptx
@@ -38603,7 +38603,7 @@
         </p:nvSpPr>
         <p:spPr>
           <a:xfrm>
-            <a:off x="9396359" y="5802195"/>
+            <a:off x="9396359" y="5773527"/>
             <a:ext cx="2558823" cy="923330"/>
           </a:xfrm>
           <a:prstGeom prst="rect">
@@ -38645,7 +38645,7 @@
         </p:nvSpPr>
         <p:spPr bwMode="auto">
           <a:xfrm>
-            <a:off x="3571388" y="4064322"/>
+            <a:off x="2395544" y="4082625"/>
             <a:ext cx="533400" cy="533400"/>
           </a:xfrm>
           <a:prstGeom prst="ellipse">
@@ -38717,7 +38717,7 @@
         </p:nvSpPr>
         <p:spPr bwMode="auto">
           <a:xfrm>
-            <a:off x="4993683" y="4064322"/>
+            <a:off x="3817839" y="4082625"/>
             <a:ext cx="533400" cy="533400"/>
           </a:xfrm>
           <a:prstGeom prst="ellipse">
@@ -38789,7 +38789,7 @@
         </p:nvSpPr>
         <p:spPr bwMode="auto">
           <a:xfrm>
-            <a:off x="3571388" y="5251780"/>
+            <a:off x="2395544" y="5270083"/>
             <a:ext cx="533400" cy="533400"/>
           </a:xfrm>
           <a:prstGeom prst="ellipse">
@@ -38861,7 +38861,7 @@
         </p:nvSpPr>
         <p:spPr bwMode="auto">
           <a:xfrm flipV="1">
-            <a:off x="4104788" y="4344837"/>
+            <a:off x="2928944" y="4363140"/>
             <a:ext cx="904134" cy="1"/>
           </a:xfrm>
           <a:prstGeom prst="line">
@@ -38930,7 +38930,7 @@
         </p:nvSpPr>
         <p:spPr bwMode="auto">
           <a:xfrm>
-            <a:off x="3855031" y="4591558"/>
+            <a:off x="2679187" y="4609861"/>
             <a:ext cx="15586" cy="660221"/>
           </a:xfrm>
           <a:prstGeom prst="line">
@@ -38997,7 +38997,7 @@
         </p:nvSpPr>
         <p:spPr bwMode="auto">
           <a:xfrm>
-            <a:off x="5004074" y="5251780"/>
+            <a:off x="3828230" y="5270083"/>
             <a:ext cx="533400" cy="533400"/>
           </a:xfrm>
           <a:prstGeom prst="ellipse">
@@ -39069,7 +39069,7 @@
         </p:nvSpPr>
         <p:spPr bwMode="auto">
           <a:xfrm flipV="1">
-            <a:off x="4049007" y="4470433"/>
+            <a:off x="2873163" y="4488736"/>
             <a:ext cx="1009411" cy="868913"/>
           </a:xfrm>
           <a:prstGeom prst="line">
@@ -39138,7 +39138,7 @@
         </p:nvSpPr>
         <p:spPr bwMode="auto">
           <a:xfrm flipV="1">
-            <a:off x="4104788" y="5532395"/>
+            <a:off x="2928944" y="5550698"/>
             <a:ext cx="904134" cy="1"/>
           </a:xfrm>
           <a:prstGeom prst="line">
@@ -39205,7 +39205,7 @@
         </p:nvSpPr>
         <p:spPr>
           <a:xfrm>
-            <a:off x="3717843" y="5989731"/>
+            <a:off x="2541999" y="6008034"/>
             <a:ext cx="2081445" cy="369332"/>
           </a:xfrm>
           <a:prstGeom prst="rect">
@@ -39245,7 +39245,7 @@
         </p:nvSpPr>
         <p:spPr bwMode="auto">
           <a:xfrm>
-            <a:off x="836861" y="4058158"/>
+            <a:off x="185529" y="4082625"/>
             <a:ext cx="533400" cy="533400"/>
           </a:xfrm>
           <a:prstGeom prst="ellipse">
@@ -39317,7 +39317,7 @@
         </p:nvSpPr>
         <p:spPr bwMode="auto">
           <a:xfrm>
-            <a:off x="2259156" y="4058158"/>
+            <a:off x="1607824" y="4082625"/>
             <a:ext cx="533400" cy="533400"/>
           </a:xfrm>
           <a:prstGeom prst="ellipse">
@@ -39389,7 +39389,7 @@
         </p:nvSpPr>
         <p:spPr bwMode="auto">
           <a:xfrm>
-            <a:off x="836861" y="5245616"/>
+            <a:off x="185529" y="5270083"/>
             <a:ext cx="533400" cy="533400"/>
           </a:xfrm>
           <a:prstGeom prst="ellipse">
@@ -39461,7 +39461,7 @@
         </p:nvSpPr>
         <p:spPr bwMode="auto">
           <a:xfrm flipV="1">
-            <a:off x="1370261" y="4338673"/>
+            <a:off x="718929" y="4363140"/>
             <a:ext cx="904134" cy="1"/>
           </a:xfrm>
           <a:prstGeom prst="line">
@@ -39530,7 +39530,7 @@
         </p:nvSpPr>
         <p:spPr bwMode="auto">
           <a:xfrm>
-            <a:off x="1120504" y="4585394"/>
+            <a:off x="469172" y="4609861"/>
             <a:ext cx="15586" cy="660221"/>
           </a:xfrm>
           <a:prstGeom prst="line">
@@ -39597,7 +39597,7 @@
         </p:nvSpPr>
         <p:spPr bwMode="auto">
           <a:xfrm>
-            <a:off x="1607216" y="4013620"/>
+            <a:off x="955884" y="4038087"/>
             <a:ext cx="514349" cy="369332"/>
           </a:xfrm>
           <a:prstGeom prst="rect">
@@ -39676,7 +39676,7 @@
         </p:nvSpPr>
         <p:spPr bwMode="auto">
           <a:xfrm>
-            <a:off x="2269547" y="5245616"/>
+            <a:off x="1618215" y="5270083"/>
             <a:ext cx="533400" cy="533400"/>
           </a:xfrm>
           <a:prstGeom prst="ellipse">
@@ -39748,7 +39748,7 @@
         </p:nvSpPr>
         <p:spPr bwMode="auto">
           <a:xfrm flipV="1">
-            <a:off x="1314480" y="4464269"/>
+            <a:off x="663148" y="4488736"/>
             <a:ext cx="1009411" cy="868913"/>
           </a:xfrm>
           <a:prstGeom prst="line">
@@ -39817,7 +39817,7 @@
         </p:nvSpPr>
         <p:spPr bwMode="auto">
           <a:xfrm flipV="1">
-            <a:off x="1370261" y="5526231"/>
+            <a:off x="718929" y="5550698"/>
             <a:ext cx="904134" cy="1"/>
           </a:xfrm>
           <a:prstGeom prst="line">
@@ -39886,7 +39886,7 @@
         </p:nvSpPr>
         <p:spPr bwMode="auto">
           <a:xfrm>
-            <a:off x="1622427" y="5504952"/>
+            <a:off x="971095" y="5529419"/>
             <a:ext cx="399803" cy="369332"/>
           </a:xfrm>
           <a:prstGeom prst="rect">
@@ -39965,7 +39965,7 @@
         </p:nvSpPr>
         <p:spPr bwMode="auto">
           <a:xfrm>
-            <a:off x="1535938" y="4684348"/>
+            <a:off x="884606" y="4708815"/>
             <a:ext cx="399803" cy="369332"/>
           </a:xfrm>
           <a:prstGeom prst="rect">
@@ -40044,7 +40044,7 @@
         </p:nvSpPr>
         <p:spPr bwMode="auto">
           <a:xfrm>
-            <a:off x="823444" y="4684348"/>
+            <a:off x="172112" y="4708815"/>
             <a:ext cx="399803" cy="369332"/>
           </a:xfrm>
           <a:prstGeom prst="rect">
@@ -40121,7 +40121,7 @@
         </p:nvSpPr>
         <p:spPr>
           <a:xfrm>
-            <a:off x="1006548" y="5913250"/>
+            <a:off x="355216" y="5937717"/>
             <a:ext cx="1704266" cy="369326"/>
           </a:xfrm>
           <a:prstGeom prst="rect">
@@ -40142,6 +40142,265 @@
               <a:t>Original graph</a:t>
             </a:r>
             <a:endParaRPr lang="en-SE" sz="1800" dirty="0"/>
+          </a:p>
+        </p:txBody>
+      </p:sp>
+      <p:graphicFrame>
+        <p:nvGraphicFramePr>
+          <p:cNvPr id="4" name="Table 3">
+            <a:extLst>
+              <a:ext uri="{FF2B5EF4-FFF2-40B4-BE49-F238E27FC236}">
+                <a16:creationId xmlns:a16="http://schemas.microsoft.com/office/drawing/2014/main" id="{041FBDB7-5904-F755-3F62-A6DD15AD0827}"/>
+              </a:ext>
+            </a:extLst>
+          </p:cNvPr>
+          <p:cNvGraphicFramePr>
+            <a:graphicFrameLocks noGrp="1"/>
+          </p:cNvGraphicFramePr>
+          <p:nvPr>
+            <p:extLst>
+              <p:ext uri="{D42A27DB-BD31-4B8C-83A1-F6EECF244321}">
+                <p14:modId xmlns:p14="http://schemas.microsoft.com/office/powerpoint/2010/main" val="247291733"/>
+              </p:ext>
+            </p:extLst>
+          </p:nvPr>
+        </p:nvGraphicFramePr>
+        <p:xfrm>
+          <a:off x="4627837" y="3925167"/>
+          <a:ext cx="1387630" cy="1854200"/>
+        </p:xfrm>
+        <a:graphic>
+          <a:graphicData uri="http://schemas.openxmlformats.org/drawingml/2006/table">
+            <a:tbl>
+              <a:tblPr firstRow="1" bandRow="1">
+                <a:tableStyleId>{5940675A-B579-460E-94D1-54222C63F5DA}</a:tableStyleId>
+              </a:tblPr>
+              <a:tblGrid>
+                <a:gridCol w="693815">
+                  <a:extLst>
+                    <a:ext uri="{9D8B030D-6E8A-4147-A177-3AD203B41FA5}">
+                      <a16:colId xmlns:a16="http://schemas.microsoft.com/office/drawing/2014/main" val="3113293538"/>
+                    </a:ext>
+                  </a:extLst>
+                </a:gridCol>
+                <a:gridCol w="693815">
+                  <a:extLst>
+                    <a:ext uri="{9D8B030D-6E8A-4147-A177-3AD203B41FA5}">
+                      <a16:colId xmlns:a16="http://schemas.microsoft.com/office/drawing/2014/main" val="4210074216"/>
+                    </a:ext>
+                  </a:extLst>
+                </a:gridCol>
+              </a:tblGrid>
+              <a:tr h="370840">
+                <a:tc>
+                  <a:txBody>
+                    <a:bodyPr/>
+                    <a:lstStyle/>
+                    <a:p>
+                      <a:pPr algn="ctr"/>
+                      <a:r>
+                        <a:rPr lang="en-GB" sz="1600" dirty="0"/>
+                        <a:t>Node </a:t>
+                      </a:r>
+                      <a:endParaRPr lang="en-SE" sz="1600" dirty="0"/>
+                    </a:p>
+                  </a:txBody>
+                  <a:tcPr/>
+                </a:tc>
+                <a:tc>
+                  <a:txBody>
+                    <a:bodyPr/>
+                    <a:lstStyle/>
+                    <a:p>
+                      <a:pPr algn="ctr"/>
+                      <a:r>
+                        <a:rPr lang="en-GB" sz="1600" dirty="0"/>
+                        <a:t>h()</a:t>
+                      </a:r>
+                      <a:endParaRPr lang="en-SE" sz="1600" dirty="0"/>
+                    </a:p>
+                  </a:txBody>
+                  <a:tcPr/>
+                </a:tc>
+                <a:extLst>
+                  <a:ext uri="{0D108BD9-81ED-4DB2-BD59-A6C34878D82A}">
+                    <a16:rowId xmlns:a16="http://schemas.microsoft.com/office/drawing/2014/main" val="2582891870"/>
+                  </a:ext>
+                </a:extLst>
+              </a:tr>
+              <a:tr h="370840">
+                <a:tc>
+                  <a:txBody>
+                    <a:bodyPr/>
+                    <a:lstStyle/>
+                    <a:p>
+                      <a:pPr algn="ctr"/>
+                      <a:r>
+                        <a:rPr lang="en-GB" sz="1600" dirty="0"/>
+                        <a:t>1</a:t>
+                      </a:r>
+                      <a:endParaRPr lang="en-SE" sz="1600" dirty="0"/>
+                    </a:p>
+                  </a:txBody>
+                  <a:tcPr/>
+                </a:tc>
+                <a:tc>
+                  <a:txBody>
+                    <a:bodyPr/>
+                    <a:lstStyle/>
+                    <a:p>
+                      <a:pPr algn="ctr"/>
+                      <a:endParaRPr lang="en-SE" sz="1600" dirty="0"/>
+                    </a:p>
+                  </a:txBody>
+                  <a:tcPr/>
+                </a:tc>
+                <a:extLst>
+                  <a:ext uri="{0D108BD9-81ED-4DB2-BD59-A6C34878D82A}">
+                    <a16:rowId xmlns:a16="http://schemas.microsoft.com/office/drawing/2014/main" val="1047507187"/>
+                  </a:ext>
+                </a:extLst>
+              </a:tr>
+              <a:tr h="370840">
+                <a:tc>
+                  <a:txBody>
+                    <a:bodyPr/>
+                    <a:lstStyle/>
+                    <a:p>
+                      <a:pPr algn="ctr"/>
+                      <a:r>
+                        <a:rPr lang="en-GB" sz="1600" dirty="0"/>
+                        <a:t>2</a:t>
+                      </a:r>
+                      <a:endParaRPr lang="en-SE" sz="1600" dirty="0"/>
+                    </a:p>
+                  </a:txBody>
+                  <a:tcPr/>
+                </a:tc>
+                <a:tc>
+                  <a:txBody>
+                    <a:bodyPr/>
+                    <a:lstStyle/>
+                    <a:p>
+                      <a:pPr algn="ctr"/>
+                      <a:endParaRPr lang="en-SE" sz="1600" dirty="0"/>
+                    </a:p>
+                  </a:txBody>
+                  <a:tcPr/>
+                </a:tc>
+                <a:extLst>
+                  <a:ext uri="{0D108BD9-81ED-4DB2-BD59-A6C34878D82A}">
+                    <a16:rowId xmlns:a16="http://schemas.microsoft.com/office/drawing/2014/main" val="3620951922"/>
+                  </a:ext>
+                </a:extLst>
+              </a:tr>
+              <a:tr h="370840">
+                <a:tc>
+                  <a:txBody>
+                    <a:bodyPr/>
+                    <a:lstStyle/>
+                    <a:p>
+                      <a:pPr algn="ctr"/>
+                      <a:r>
+                        <a:rPr lang="en-GB" sz="1600" dirty="0"/>
+                        <a:t>3</a:t>
+                      </a:r>
+                      <a:endParaRPr lang="en-SE" sz="1600" dirty="0"/>
+                    </a:p>
+                  </a:txBody>
+                  <a:tcPr/>
+                </a:tc>
+                <a:tc>
+                  <a:txBody>
+                    <a:bodyPr/>
+                    <a:lstStyle/>
+                    <a:p>
+                      <a:pPr algn="ctr"/>
+                      <a:endParaRPr lang="en-SE" sz="1600" dirty="0"/>
+                    </a:p>
+                  </a:txBody>
+                  <a:tcPr/>
+                </a:tc>
+                <a:extLst>
+                  <a:ext uri="{0D108BD9-81ED-4DB2-BD59-A6C34878D82A}">
+                    <a16:rowId xmlns:a16="http://schemas.microsoft.com/office/drawing/2014/main" val="4276274880"/>
+                  </a:ext>
+                </a:extLst>
+              </a:tr>
+              <a:tr h="370840">
+                <a:tc>
+                  <a:txBody>
+                    <a:bodyPr/>
+                    <a:lstStyle/>
+                    <a:p>
+                      <a:pPr algn="ctr"/>
+                      <a:r>
+                        <a:rPr lang="en-GB" sz="1600" dirty="0"/>
+                        <a:t>4</a:t>
+                      </a:r>
+                      <a:endParaRPr lang="en-SE" sz="1600" dirty="0"/>
+                    </a:p>
+                  </a:txBody>
+                  <a:tcPr/>
+                </a:tc>
+                <a:tc>
+                  <a:txBody>
+                    <a:bodyPr/>
+                    <a:lstStyle/>
+                    <a:p>
+                      <a:pPr algn="ctr"/>
+                      <a:endParaRPr lang="en-SE" sz="1600" dirty="0"/>
+                    </a:p>
+                  </a:txBody>
+                  <a:tcPr/>
+                </a:tc>
+                <a:extLst>
+                  <a:ext uri="{0D108BD9-81ED-4DB2-BD59-A6C34878D82A}">
+                    <a16:rowId xmlns:a16="http://schemas.microsoft.com/office/drawing/2014/main" val="2669259463"/>
+                  </a:ext>
+                </a:extLst>
+              </a:tr>
+            </a:tbl>
+          </a:graphicData>
+        </a:graphic>
+      </p:graphicFrame>
+      <p:sp>
+        <p:nvSpPr>
+          <p:cNvPr id="5" name="TextBox 4">
+            <a:extLst>
+              <a:ext uri="{FF2B5EF4-FFF2-40B4-BE49-F238E27FC236}">
+                <a16:creationId xmlns:a16="http://schemas.microsoft.com/office/drawing/2014/main" id="{F0213C2E-33EE-C895-81C1-741DB5D0DF5A}"/>
+              </a:ext>
+            </a:extLst>
+          </p:cNvPr>
+          <p:cNvSpPr txBox="1"/>
+          <p:nvPr/>
+        </p:nvSpPr>
+        <p:spPr>
+          <a:xfrm>
+            <a:off x="4560605" y="5773527"/>
+            <a:ext cx="1704267" cy="923330"/>
+          </a:xfrm>
+          <a:prstGeom prst="rect">
+            <a:avLst/>
+          </a:prstGeom>
+          <a:noFill/>
+        </p:spPr>
+        <p:txBody>
+          <a:bodyPr wrap="square">
+            <a:spAutoFit/>
+          </a:bodyPr>
+          <a:lstStyle/>
+          <a:p>
+            <a:r>
+              <a:rPr lang="en-GB" sz="1800" dirty="0">
+                <a:solidFill>
+                  <a:schemeClr val="tx1"/>
+                </a:solidFill>
+                <a:latin typeface="Quattrocento Sans" panose="020B0502050000020003" pitchFamily="34" charset="0"/>
+              </a:rPr>
+              <a:t>Shortest paths starting from dummy node</a:t>
+            </a:r>
           </a:p>
         </p:txBody>
       </p:sp>
